--- a/ETC/presentation.pptx
+++ b/ETC/presentation.pptx
@@ -5,7 +5,7 @@
     <p:sldMasterId id="2147483648" r:id="rId1"/>
   </p:sldMasterIdLst>
   <p:notesMasterIdLst>
-    <p:notesMasterId r:id="rId7"/>
+    <p:notesMasterId r:id="rId9"/>
   </p:notesMasterIdLst>
   <p:sldIdLst>
     <p:sldId id="256" r:id="rId2"/>
@@ -13,6 +13,8 @@
     <p:sldId id="260" r:id="rId4"/>
     <p:sldId id="258" r:id="rId5"/>
     <p:sldId id="259" r:id="rId6"/>
+    <p:sldId id="261" r:id="rId7"/>
+    <p:sldId id="262" r:id="rId8"/>
   </p:sldIdLst>
   <p:sldSz cx="12192000" cy="6858000"/>
   <p:notesSz cx="6858000" cy="9144000"/>
@@ -111,6 +113,11 @@
       </a:defRPr>
     </a:lvl9pPr>
   </p:defaultTextStyle>
+  <p:extLst>
+    <p:ext uri="{EFAFB233-063F-42B5-8137-9DF3F51BA10A}">
+      <p15:sldGuideLst xmlns:p15="http://schemas.microsoft.com/office/powerpoint/2012/main"/>
+    </p:ext>
+  </p:extLst>
 </p:presentation>
 </file>
 
@@ -790,6 +797,174 @@
     <p:extLst>
       <p:ext uri="{BB962C8B-B14F-4D97-AF65-F5344CB8AC3E}">
         <p14:creationId xmlns:p14="http://schemas.microsoft.com/office/powerpoint/2010/main" val="218344523"/>
+      </p:ext>
+    </p:extLst>
+  </p:cSld>
+  <p:clrMapOvr>
+    <a:masterClrMapping/>
+  </p:clrMapOvr>
+</p:notes>
+</file>
+
+<file path=ppt/notesSlides/notesSlide5.xml><?xml version="1.0" encoding="utf-8"?>
+<p:notes xmlns:a="http://schemas.openxmlformats.org/drawingml/2006/main" xmlns:r="http://schemas.openxmlformats.org/officeDocument/2006/relationships" xmlns:p="http://schemas.openxmlformats.org/presentationml/2006/main">
+  <p:cSld>
+    <p:spTree>
+      <p:nvGrpSpPr>
+        <p:cNvPr id="1" name=""/>
+        <p:cNvGrpSpPr/>
+        <p:nvPr/>
+      </p:nvGrpSpPr>
+      <p:grpSpPr>
+        <a:xfrm>
+          <a:off x="0" y="0"/>
+          <a:ext cx="0" cy="0"/>
+          <a:chOff x="0" y="0"/>
+          <a:chExt cx="0" cy="0"/>
+        </a:xfrm>
+      </p:grpSpPr>
+      <p:sp>
+        <p:nvSpPr>
+          <p:cNvPr id="2" name="슬라이드 이미지 개체 틀 1"/>
+          <p:cNvSpPr>
+            <a:spLocks noGrp="1" noRot="1" noChangeAspect="1"/>
+          </p:cNvSpPr>
+          <p:nvPr>
+            <p:ph type="sldImg"/>
+          </p:nvPr>
+        </p:nvSpPr>
+        <p:spPr/>
+      </p:sp>
+      <p:sp>
+        <p:nvSpPr>
+          <p:cNvPr id="3" name="슬라이드 노트 개체 틀 2"/>
+          <p:cNvSpPr>
+            <a:spLocks noGrp="1"/>
+          </p:cNvSpPr>
+          <p:nvPr>
+            <p:ph type="body" idx="1"/>
+          </p:nvPr>
+        </p:nvSpPr>
+        <p:spPr/>
+        <p:txBody>
+          <a:bodyPr/>
+          <a:lstStyle/>
+          <a:p>
+            <a:endParaRPr lang="ko-KR" altLang="en-US" dirty="0"/>
+          </a:p>
+        </p:txBody>
+      </p:sp>
+      <p:sp>
+        <p:nvSpPr>
+          <p:cNvPr id="4" name="슬라이드 번호 개체 틀 3"/>
+          <p:cNvSpPr>
+            <a:spLocks noGrp="1"/>
+          </p:cNvSpPr>
+          <p:nvPr>
+            <p:ph type="sldNum" sz="quarter" idx="5"/>
+          </p:nvPr>
+        </p:nvSpPr>
+        <p:spPr/>
+        <p:txBody>
+          <a:bodyPr/>
+          <a:lstStyle/>
+          <a:p>
+            <a:fld id="{B63C307F-9B8F-4428-94BC-5D24E1DF21B0}" type="slidenum">
+              <a:rPr lang="ko-KR" altLang="en-US" smtClean="0"/>
+              <a:t>6</a:t>
+            </a:fld>
+            <a:endParaRPr lang="ko-KR" altLang="en-US"/>
+          </a:p>
+        </p:txBody>
+      </p:sp>
+    </p:spTree>
+    <p:extLst>
+      <p:ext uri="{BB962C8B-B14F-4D97-AF65-F5344CB8AC3E}">
+        <p14:creationId xmlns:p14="http://schemas.microsoft.com/office/powerpoint/2010/main" val="2621634685"/>
+      </p:ext>
+    </p:extLst>
+  </p:cSld>
+  <p:clrMapOvr>
+    <a:masterClrMapping/>
+  </p:clrMapOvr>
+</p:notes>
+</file>
+
+<file path=ppt/notesSlides/notesSlide6.xml><?xml version="1.0" encoding="utf-8"?>
+<p:notes xmlns:a="http://schemas.openxmlformats.org/drawingml/2006/main" xmlns:r="http://schemas.openxmlformats.org/officeDocument/2006/relationships" xmlns:p="http://schemas.openxmlformats.org/presentationml/2006/main">
+  <p:cSld>
+    <p:spTree>
+      <p:nvGrpSpPr>
+        <p:cNvPr id="1" name=""/>
+        <p:cNvGrpSpPr/>
+        <p:nvPr/>
+      </p:nvGrpSpPr>
+      <p:grpSpPr>
+        <a:xfrm>
+          <a:off x="0" y="0"/>
+          <a:ext cx="0" cy="0"/>
+          <a:chOff x="0" y="0"/>
+          <a:chExt cx="0" cy="0"/>
+        </a:xfrm>
+      </p:grpSpPr>
+      <p:sp>
+        <p:nvSpPr>
+          <p:cNvPr id="2" name="슬라이드 이미지 개체 틀 1"/>
+          <p:cNvSpPr>
+            <a:spLocks noGrp="1" noRot="1" noChangeAspect="1"/>
+          </p:cNvSpPr>
+          <p:nvPr>
+            <p:ph type="sldImg"/>
+          </p:nvPr>
+        </p:nvSpPr>
+        <p:spPr/>
+      </p:sp>
+      <p:sp>
+        <p:nvSpPr>
+          <p:cNvPr id="3" name="슬라이드 노트 개체 틀 2"/>
+          <p:cNvSpPr>
+            <a:spLocks noGrp="1"/>
+          </p:cNvSpPr>
+          <p:nvPr>
+            <p:ph type="body" idx="1"/>
+          </p:nvPr>
+        </p:nvSpPr>
+        <p:spPr/>
+        <p:txBody>
+          <a:bodyPr/>
+          <a:lstStyle/>
+          <a:p>
+            <a:endParaRPr lang="ko-KR" altLang="en-US" dirty="0"/>
+          </a:p>
+        </p:txBody>
+      </p:sp>
+      <p:sp>
+        <p:nvSpPr>
+          <p:cNvPr id="4" name="슬라이드 번호 개체 틀 3"/>
+          <p:cNvSpPr>
+            <a:spLocks noGrp="1"/>
+          </p:cNvSpPr>
+          <p:nvPr>
+            <p:ph type="sldNum" sz="quarter" idx="5"/>
+          </p:nvPr>
+        </p:nvSpPr>
+        <p:spPr/>
+        <p:txBody>
+          <a:bodyPr/>
+          <a:lstStyle/>
+          <a:p>
+            <a:fld id="{B63C307F-9B8F-4428-94BC-5D24E1DF21B0}" type="slidenum">
+              <a:rPr lang="ko-KR" altLang="en-US" smtClean="0"/>
+              <a:t>7</a:t>
+            </a:fld>
+            <a:endParaRPr lang="ko-KR" altLang="en-US"/>
+          </a:p>
+        </p:txBody>
+      </p:sp>
+    </p:spTree>
+    <p:extLst>
+      <p:ext uri="{BB962C8B-B14F-4D97-AF65-F5344CB8AC3E}">
+        <p14:creationId xmlns:p14="http://schemas.microsoft.com/office/powerpoint/2010/main" val="4000047911"/>
       </p:ext>
     </p:extLst>
   </p:cSld>
@@ -4787,6 +4962,639 @@
     <p:extLst>
       <p:ext uri="{BB962C8B-B14F-4D97-AF65-F5344CB8AC3E}">
         <p14:creationId xmlns:p14="http://schemas.microsoft.com/office/powerpoint/2010/main" val="3568635677"/>
+      </p:ext>
+    </p:extLst>
+  </p:cSld>
+  <p:clrMapOvr>
+    <a:masterClrMapping/>
+  </p:clrMapOvr>
+</p:sld>
+</file>
+
+<file path=ppt/slides/slide6.xml><?xml version="1.0" encoding="utf-8"?>
+<p:sld xmlns:a="http://schemas.openxmlformats.org/drawingml/2006/main" xmlns:r="http://schemas.openxmlformats.org/officeDocument/2006/relationships" xmlns:p="http://schemas.openxmlformats.org/presentationml/2006/main">
+  <p:cSld>
+    <p:spTree>
+      <p:nvGrpSpPr>
+        <p:cNvPr id="1" name=""/>
+        <p:cNvGrpSpPr/>
+        <p:nvPr/>
+      </p:nvGrpSpPr>
+      <p:grpSpPr>
+        <a:xfrm>
+          <a:off x="0" y="0"/>
+          <a:ext cx="0" cy="0"/>
+          <a:chOff x="0" y="0"/>
+          <a:chExt cx="0" cy="0"/>
+        </a:xfrm>
+      </p:grpSpPr>
+      <p:sp>
+        <p:nvSpPr>
+          <p:cNvPr id="4" name="TextBox 3">
+            <a:extLst>
+              <a:ext uri="{FF2B5EF4-FFF2-40B4-BE49-F238E27FC236}">
+                <a16:creationId xmlns:a16="http://schemas.microsoft.com/office/drawing/2014/main" id="{34F10496-18AB-4DAD-B8FC-5944DCAFA1B3}"/>
+              </a:ext>
+            </a:extLst>
+          </p:cNvPr>
+          <p:cNvSpPr txBox="1"/>
+          <p:nvPr/>
+        </p:nvSpPr>
+        <p:spPr>
+          <a:xfrm>
+            <a:off x="355076" y="317439"/>
+            <a:ext cx="4449452" cy="830997"/>
+          </a:xfrm>
+          <a:prstGeom prst="rect">
+            <a:avLst/>
+          </a:prstGeom>
+          <a:noFill/>
+        </p:spPr>
+        <p:txBody>
+          <a:bodyPr wrap="square" rtlCol="0">
+            <a:spAutoFit/>
+          </a:bodyPr>
+          <a:lstStyle/>
+          <a:p>
+            <a:r>
+              <a:rPr lang="ko-KR" altLang="en-US" sz="4800" dirty="0">
+                <a:latin typeface="배달의민족 주아" panose="02020603020101020101" pitchFamily="18" charset="-127"/>
+                <a:ea typeface="배달의민족 주아" panose="02020603020101020101" pitchFamily="18" charset="-127"/>
+              </a:rPr>
+              <a:t>개발 프로세스</a:t>
+            </a:r>
+          </a:p>
+        </p:txBody>
+      </p:sp>
+      <p:pic>
+        <p:nvPicPr>
+          <p:cNvPr id="2" name="그림 1">
+            <a:extLst>
+              <a:ext uri="{FF2B5EF4-FFF2-40B4-BE49-F238E27FC236}">
+                <a16:creationId xmlns:a16="http://schemas.microsoft.com/office/drawing/2014/main" id="{ACE7DE30-DB0A-46C0-88BE-4DB6C7EA72F7}"/>
+              </a:ext>
+            </a:extLst>
+          </p:cNvPr>
+          <p:cNvPicPr>
+            <a:picLocks noChangeAspect="1"/>
+          </p:cNvPicPr>
+          <p:nvPr/>
+        </p:nvPicPr>
+        <p:blipFill>
+          <a:blip r:embed="rId3"/>
+          <a:stretch>
+            <a:fillRect/>
+          </a:stretch>
+        </p:blipFill>
+        <p:spPr>
+          <a:xfrm>
+            <a:off x="4175196" y="1880556"/>
+            <a:ext cx="2093632" cy="2849667"/>
+          </a:xfrm>
+          <a:prstGeom prst="rect">
+            <a:avLst/>
+          </a:prstGeom>
+        </p:spPr>
+      </p:pic>
+      <p:sp>
+        <p:nvSpPr>
+          <p:cNvPr id="3" name="TextBox 2">
+            <a:extLst>
+              <a:ext uri="{FF2B5EF4-FFF2-40B4-BE49-F238E27FC236}">
+                <a16:creationId xmlns:a16="http://schemas.microsoft.com/office/drawing/2014/main" id="{865BBD7C-0CE2-400F-B16C-9939AF5DD809}"/>
+              </a:ext>
+            </a:extLst>
+          </p:cNvPr>
+          <p:cNvSpPr txBox="1"/>
+          <p:nvPr/>
+        </p:nvSpPr>
+        <p:spPr>
+          <a:xfrm>
+            <a:off x="355075" y="1856900"/>
+            <a:ext cx="3755013" cy="2862322"/>
+          </a:xfrm>
+          <a:prstGeom prst="rect">
+            <a:avLst/>
+          </a:prstGeom>
+          <a:noFill/>
+        </p:spPr>
+        <p:txBody>
+          <a:bodyPr wrap="square" rtlCol="0">
+            <a:spAutoFit/>
+          </a:bodyPr>
+          <a:lstStyle/>
+          <a:p>
+            <a:pPr algn="r"/>
+            <a:r>
+              <a:rPr lang="ko-KR" altLang="en-US" sz="3000" dirty="0">
+                <a:latin typeface="배달의민족 주아" panose="02020603020101020101" pitchFamily="18" charset="-127"/>
+                <a:ea typeface="배달의민족 주아" panose="02020603020101020101" pitchFamily="18" charset="-127"/>
+              </a:rPr>
+              <a:t>방학 동안 끝내기 </a:t>
+            </a:r>
+            <a:r>
+              <a:rPr lang="en-US" altLang="ko-KR" sz="3000" dirty="0">
+                <a:latin typeface="배달의민족 주아" panose="02020603020101020101" pitchFamily="18" charset="-127"/>
+                <a:ea typeface="배달의민족 주아" panose="02020603020101020101" pitchFamily="18" charset="-127"/>
+              </a:rPr>
+              <a:t>-&gt;</a:t>
+            </a:r>
+          </a:p>
+          <a:p>
+            <a:pPr algn="r"/>
+            <a:r>
+              <a:rPr lang="en-US" altLang="ko-KR" sz="3000" dirty="0">
+                <a:latin typeface="배달의민족 주아" panose="02020603020101020101" pitchFamily="18" charset="-127"/>
+                <a:ea typeface="배달의민족 주아" panose="02020603020101020101" pitchFamily="18" charset="-127"/>
+              </a:rPr>
+              <a:t>-&gt;</a:t>
+            </a:r>
+          </a:p>
+          <a:p>
+            <a:pPr algn="r"/>
+            <a:r>
+              <a:rPr lang="en-US" altLang="ko-KR" sz="3000" dirty="0">
+                <a:latin typeface="배달의민족 주아" panose="02020603020101020101" pitchFamily="18" charset="-127"/>
+                <a:ea typeface="배달의민족 주아" panose="02020603020101020101" pitchFamily="18" charset="-127"/>
+              </a:rPr>
+              <a:t>-&gt;</a:t>
+            </a:r>
+          </a:p>
+          <a:p>
+            <a:pPr algn="r"/>
+            <a:r>
+              <a:rPr lang="en-US" altLang="ko-KR" sz="3000" dirty="0">
+                <a:latin typeface="배달의민족 주아" panose="02020603020101020101" pitchFamily="18" charset="-127"/>
+                <a:ea typeface="배달의민족 주아" panose="02020603020101020101" pitchFamily="18" charset="-127"/>
+              </a:rPr>
+              <a:t>8</a:t>
+            </a:r>
+            <a:r>
+              <a:rPr lang="ko-KR" altLang="en-US" sz="3000" dirty="0">
+                <a:latin typeface="배달의민족 주아" panose="02020603020101020101" pitchFamily="18" charset="-127"/>
+                <a:ea typeface="배달의민족 주아" panose="02020603020101020101" pitchFamily="18" charset="-127"/>
+              </a:rPr>
+              <a:t>월 동안 끝내기 </a:t>
+            </a:r>
+            <a:r>
+              <a:rPr lang="en-US" altLang="ko-KR" sz="3000" dirty="0">
+                <a:latin typeface="배달의민족 주아" panose="02020603020101020101" pitchFamily="18" charset="-127"/>
+                <a:ea typeface="배달의민족 주아" panose="02020603020101020101" pitchFamily="18" charset="-127"/>
+              </a:rPr>
+              <a:t>-&gt;</a:t>
+            </a:r>
+          </a:p>
+          <a:p>
+            <a:pPr algn="r"/>
+            <a:r>
+              <a:rPr lang="en-US" altLang="ko-KR" sz="3000" dirty="0">
+                <a:latin typeface="배달의민족 주아" panose="02020603020101020101" pitchFamily="18" charset="-127"/>
+                <a:ea typeface="배달의민족 주아" panose="02020603020101020101" pitchFamily="18" charset="-127"/>
+              </a:rPr>
+              <a:t>-&gt;</a:t>
+            </a:r>
+          </a:p>
+          <a:p>
+            <a:pPr algn="r"/>
+            <a:r>
+              <a:rPr lang="en-US" altLang="ko-KR" sz="3000" dirty="0">
+                <a:latin typeface="배달의민족 주아" panose="02020603020101020101" pitchFamily="18" charset="-127"/>
+                <a:ea typeface="배달의민족 주아" panose="02020603020101020101" pitchFamily="18" charset="-127"/>
+              </a:rPr>
+              <a:t>-&gt;</a:t>
+            </a:r>
+            <a:endParaRPr lang="ko-KR" altLang="en-US" sz="3000" dirty="0">
+              <a:latin typeface="배달의민족 주아" panose="02020603020101020101" pitchFamily="18" charset="-127"/>
+              <a:ea typeface="배달의민족 주아" panose="02020603020101020101" pitchFamily="18" charset="-127"/>
+            </a:endParaRPr>
+          </a:p>
+        </p:txBody>
+      </p:sp>
+      <p:sp>
+        <p:nvSpPr>
+          <p:cNvPr id="5" name="TextBox 4">
+            <a:extLst>
+              <a:ext uri="{FF2B5EF4-FFF2-40B4-BE49-F238E27FC236}">
+                <a16:creationId xmlns:a16="http://schemas.microsoft.com/office/drawing/2014/main" id="{E69130DE-3924-4584-B526-196EDE1C9948}"/>
+              </a:ext>
+            </a:extLst>
+          </p:cNvPr>
+          <p:cNvSpPr txBox="1"/>
+          <p:nvPr/>
+        </p:nvSpPr>
+        <p:spPr>
+          <a:xfrm>
+            <a:off x="6824124" y="1899235"/>
+            <a:ext cx="4883085" cy="1938992"/>
+          </a:xfrm>
+          <a:prstGeom prst="rect">
+            <a:avLst/>
+          </a:prstGeom>
+          <a:noFill/>
+        </p:spPr>
+        <p:txBody>
+          <a:bodyPr wrap="square" rtlCol="0">
+            <a:spAutoFit/>
+          </a:bodyPr>
+          <a:lstStyle/>
+          <a:p>
+            <a:r>
+              <a:rPr lang="en-US" altLang="ko-KR" sz="3000" dirty="0">
+                <a:latin typeface="배달의민족 주아" panose="02020603020101020101" pitchFamily="18" charset="-127"/>
+                <a:ea typeface="배달의민족 주아" panose="02020603020101020101" pitchFamily="18" charset="-127"/>
+              </a:rPr>
+              <a:t>9</a:t>
+            </a:r>
+            <a:r>
+              <a:rPr lang="ko-KR" altLang="en-US" sz="3000" dirty="0">
+                <a:latin typeface="배달의민족 주아" panose="02020603020101020101" pitchFamily="18" charset="-127"/>
+                <a:ea typeface="배달의민족 주아" panose="02020603020101020101" pitchFamily="18" charset="-127"/>
+              </a:rPr>
+              <a:t>월 </a:t>
+            </a:r>
+            <a:r>
+              <a:rPr lang="en-US" altLang="ko-KR" sz="3000" dirty="0">
+                <a:latin typeface="배달의민족 주아" panose="02020603020101020101" pitchFamily="18" charset="-127"/>
+                <a:ea typeface="배달의민족 주아" panose="02020603020101020101" pitchFamily="18" charset="-127"/>
+              </a:rPr>
+              <a:t>2</a:t>
+            </a:r>
+            <a:r>
+              <a:rPr lang="ko-KR" altLang="en-US" sz="3000" dirty="0" err="1">
+                <a:latin typeface="배달의민족 주아" panose="02020603020101020101" pitchFamily="18" charset="-127"/>
+                <a:ea typeface="배달의민족 주아" panose="02020603020101020101" pitchFamily="18" charset="-127"/>
+              </a:rPr>
+              <a:t>둘째주</a:t>
+            </a:r>
+            <a:r>
+              <a:rPr lang="ko-KR" altLang="en-US" sz="3000" dirty="0">
+                <a:latin typeface="배달의민족 주아" panose="02020603020101020101" pitchFamily="18" charset="-127"/>
+                <a:ea typeface="배달의민족 주아" panose="02020603020101020101" pitchFamily="18" charset="-127"/>
+              </a:rPr>
+              <a:t> 까지 </a:t>
+            </a:r>
+            <a:r>
+              <a:rPr lang="ko-KR" altLang="en-US" sz="3000" dirty="0" err="1">
+                <a:latin typeface="배달의민족 주아" panose="02020603020101020101" pitchFamily="18" charset="-127"/>
+                <a:ea typeface="배달의민족 주아" panose="02020603020101020101" pitchFamily="18" charset="-127"/>
+              </a:rPr>
+              <a:t>폴리싱</a:t>
+            </a:r>
+            <a:endParaRPr lang="en-US" altLang="ko-KR" sz="3000" dirty="0">
+              <a:latin typeface="배달의민족 주아" panose="02020603020101020101" pitchFamily="18" charset="-127"/>
+              <a:ea typeface="배달의민족 주아" panose="02020603020101020101" pitchFamily="18" charset="-127"/>
+            </a:endParaRPr>
+          </a:p>
+          <a:p>
+            <a:endParaRPr lang="en-US" altLang="ko-KR" sz="3000" dirty="0">
+              <a:latin typeface="배달의민족 주아" panose="02020603020101020101" pitchFamily="18" charset="-127"/>
+              <a:ea typeface="배달의민족 주아" panose="02020603020101020101" pitchFamily="18" charset="-127"/>
+            </a:endParaRPr>
+          </a:p>
+          <a:p>
+            <a:r>
+              <a:rPr lang="en-US" altLang="ko-KR" sz="3000" dirty="0">
+                <a:latin typeface="배달의민족 주아" panose="02020603020101020101" pitchFamily="18" charset="-127"/>
+                <a:ea typeface="배달의민족 주아" panose="02020603020101020101" pitchFamily="18" charset="-127"/>
+              </a:rPr>
+              <a:t>10</a:t>
+            </a:r>
+            <a:r>
+              <a:rPr lang="ko-KR" altLang="en-US" sz="3000" dirty="0">
+                <a:latin typeface="배달의민족 주아" panose="02020603020101020101" pitchFamily="18" charset="-127"/>
+                <a:ea typeface="배달의민족 주아" panose="02020603020101020101" pitchFamily="18" charset="-127"/>
+              </a:rPr>
+              <a:t>월 현장실습 나가기 전까지 출시를 목표로</a:t>
+            </a:r>
+          </a:p>
+        </p:txBody>
+      </p:sp>
+      <p:sp>
+        <p:nvSpPr>
+          <p:cNvPr id="8" name="TextBox 7">
+            <a:extLst>
+              <a:ext uri="{FF2B5EF4-FFF2-40B4-BE49-F238E27FC236}">
+                <a16:creationId xmlns:a16="http://schemas.microsoft.com/office/drawing/2014/main" id="{A74F6AB1-2C95-4B75-BA6F-4C423DE39954}"/>
+              </a:ext>
+            </a:extLst>
+          </p:cNvPr>
+          <p:cNvSpPr txBox="1"/>
+          <p:nvPr/>
+        </p:nvSpPr>
+        <p:spPr>
+          <a:xfrm>
+            <a:off x="2899872" y="5631457"/>
+            <a:ext cx="6392255" cy="553998"/>
+          </a:xfrm>
+          <a:prstGeom prst="rect">
+            <a:avLst/>
+          </a:prstGeom>
+          <a:noFill/>
+        </p:spPr>
+        <p:txBody>
+          <a:bodyPr wrap="square" rtlCol="0">
+            <a:spAutoFit/>
+          </a:bodyPr>
+          <a:lstStyle/>
+          <a:p>
+            <a:pPr algn="ctr"/>
+            <a:r>
+              <a:rPr lang="en-US" altLang="ko-KR" sz="3000" dirty="0">
+                <a:latin typeface="배달의민족 주아" panose="02020603020101020101" pitchFamily="18" charset="-127"/>
+                <a:ea typeface="배달의민족 주아" panose="02020603020101020101" pitchFamily="18" charset="-127"/>
+              </a:rPr>
+              <a:t>UGS</a:t>
+            </a:r>
+            <a:r>
+              <a:rPr lang="ko-KR" altLang="en-US" sz="3000" dirty="0">
+                <a:latin typeface="배달의민족 주아" panose="02020603020101020101" pitchFamily="18" charset="-127"/>
+                <a:ea typeface="배달의민족 주아" panose="02020603020101020101" pitchFamily="18" charset="-127"/>
+              </a:rPr>
+              <a:t>와 </a:t>
+            </a:r>
+            <a:r>
+              <a:rPr lang="en-US" altLang="ko-KR" sz="3000" dirty="0">
+                <a:latin typeface="배달의민족 주아" panose="02020603020101020101" pitchFamily="18" charset="-127"/>
+                <a:ea typeface="배달의민족 주아" panose="02020603020101020101" pitchFamily="18" charset="-127"/>
+              </a:rPr>
+              <a:t>NGO</a:t>
+            </a:r>
+            <a:r>
+              <a:rPr lang="ko-KR" altLang="en-US" sz="3000" dirty="0">
+                <a:latin typeface="배달의민족 주아" panose="02020603020101020101" pitchFamily="18" charset="-127"/>
+                <a:ea typeface="배달의민족 주아" panose="02020603020101020101" pitchFamily="18" charset="-127"/>
+              </a:rPr>
+              <a:t>로 네트워크 구현 예정</a:t>
+            </a:r>
+            <a:endParaRPr lang="en-US" altLang="ko-KR" sz="3000" dirty="0">
+              <a:latin typeface="배달의민족 주아" panose="02020603020101020101" pitchFamily="18" charset="-127"/>
+              <a:ea typeface="배달의민족 주아" panose="02020603020101020101" pitchFamily="18" charset="-127"/>
+            </a:endParaRPr>
+          </a:p>
+        </p:txBody>
+      </p:sp>
+    </p:spTree>
+    <p:extLst>
+      <p:ext uri="{BB962C8B-B14F-4D97-AF65-F5344CB8AC3E}">
+        <p14:creationId xmlns:p14="http://schemas.microsoft.com/office/powerpoint/2010/main" val="544357655"/>
+      </p:ext>
+    </p:extLst>
+  </p:cSld>
+  <p:clrMapOvr>
+    <a:masterClrMapping/>
+  </p:clrMapOvr>
+</p:sld>
+</file>
+
+<file path=ppt/slides/slide7.xml><?xml version="1.0" encoding="utf-8"?>
+<p:sld xmlns:a="http://schemas.openxmlformats.org/drawingml/2006/main" xmlns:r="http://schemas.openxmlformats.org/officeDocument/2006/relationships" xmlns:p="http://schemas.openxmlformats.org/presentationml/2006/main">
+  <p:cSld>
+    <p:spTree>
+      <p:nvGrpSpPr>
+        <p:cNvPr id="1" name=""/>
+        <p:cNvGrpSpPr/>
+        <p:nvPr/>
+      </p:nvGrpSpPr>
+      <p:grpSpPr>
+        <a:xfrm>
+          <a:off x="0" y="0"/>
+          <a:ext cx="0" cy="0"/>
+          <a:chOff x="0" y="0"/>
+          <a:chExt cx="0" cy="0"/>
+        </a:xfrm>
+      </p:grpSpPr>
+      <p:sp>
+        <p:nvSpPr>
+          <p:cNvPr id="4" name="TextBox 3">
+            <a:extLst>
+              <a:ext uri="{FF2B5EF4-FFF2-40B4-BE49-F238E27FC236}">
+                <a16:creationId xmlns:a16="http://schemas.microsoft.com/office/drawing/2014/main" id="{34F10496-18AB-4DAD-B8FC-5944DCAFA1B3}"/>
+              </a:ext>
+            </a:extLst>
+          </p:cNvPr>
+          <p:cNvSpPr txBox="1"/>
+          <p:nvPr/>
+        </p:nvSpPr>
+        <p:spPr>
+          <a:xfrm>
+            <a:off x="355076" y="317439"/>
+            <a:ext cx="4449452" cy="830997"/>
+          </a:xfrm>
+          <a:prstGeom prst="rect">
+            <a:avLst/>
+          </a:prstGeom>
+          <a:noFill/>
+        </p:spPr>
+        <p:txBody>
+          <a:bodyPr wrap="square" rtlCol="0">
+            <a:spAutoFit/>
+          </a:bodyPr>
+          <a:lstStyle/>
+          <a:p>
+            <a:r>
+              <a:rPr lang="ko-KR" altLang="en-US" sz="4800" dirty="0">
+                <a:latin typeface="배달의민족 주아" panose="02020603020101020101" pitchFamily="18" charset="-127"/>
+                <a:ea typeface="배달의민족 주아" panose="02020603020101020101" pitchFamily="18" charset="-127"/>
+              </a:rPr>
+              <a:t>역할 분담</a:t>
+            </a:r>
+          </a:p>
+        </p:txBody>
+      </p:sp>
+      <p:sp>
+        <p:nvSpPr>
+          <p:cNvPr id="6" name="TextBox 5">
+            <a:extLst>
+              <a:ext uri="{FF2B5EF4-FFF2-40B4-BE49-F238E27FC236}">
+                <a16:creationId xmlns:a16="http://schemas.microsoft.com/office/drawing/2014/main" id="{5E360E54-8CA4-4C6B-8A5C-4CFEAB785741}"/>
+              </a:ext>
+            </a:extLst>
+          </p:cNvPr>
+          <p:cNvSpPr txBox="1"/>
+          <p:nvPr/>
+        </p:nvSpPr>
+        <p:spPr>
+          <a:xfrm>
+            <a:off x="2565224" y="2459504"/>
+            <a:ext cx="2869330" cy="1938992"/>
+          </a:xfrm>
+          <a:prstGeom prst="rect">
+            <a:avLst/>
+          </a:prstGeom>
+          <a:noFill/>
+        </p:spPr>
+        <p:txBody>
+          <a:bodyPr wrap="square" rtlCol="0">
+            <a:spAutoFit/>
+          </a:bodyPr>
+          <a:lstStyle/>
+          <a:p>
+            <a:pPr algn="ctr"/>
+            <a:r>
+              <a:rPr lang="en-US" altLang="ko-KR" sz="3000" dirty="0">
+                <a:latin typeface="배달의민족 주아" panose="02020603020101020101" pitchFamily="18" charset="-127"/>
+                <a:ea typeface="배달의민족 주아" panose="02020603020101020101" pitchFamily="18" charset="-127"/>
+              </a:rPr>
+              <a:t>[</a:t>
+            </a:r>
+            <a:r>
+              <a:rPr lang="ko-KR" altLang="en-US" sz="3000" dirty="0">
+                <a:latin typeface="배달의민족 주아" panose="02020603020101020101" pitchFamily="18" charset="-127"/>
+                <a:ea typeface="배달의민족 주아" panose="02020603020101020101" pitchFamily="18" charset="-127"/>
+              </a:rPr>
+              <a:t>박세훈</a:t>
+            </a:r>
+            <a:r>
+              <a:rPr lang="en-US" altLang="ko-KR" sz="3000" dirty="0">
+                <a:latin typeface="배달의민족 주아" panose="02020603020101020101" pitchFamily="18" charset="-127"/>
+                <a:ea typeface="배달의민족 주아" panose="02020603020101020101" pitchFamily="18" charset="-127"/>
+              </a:rPr>
+              <a:t>]</a:t>
+            </a:r>
+          </a:p>
+          <a:p>
+            <a:pPr algn="ctr"/>
+            <a:r>
+              <a:rPr lang="ko-KR" altLang="en-US" sz="3000" dirty="0">
+                <a:latin typeface="배달의민족 주아" panose="02020603020101020101" pitchFamily="18" charset="-127"/>
+                <a:ea typeface="배달의민족 주아" panose="02020603020101020101" pitchFamily="18" charset="-127"/>
+              </a:rPr>
+              <a:t>구조설계</a:t>
+            </a:r>
+            <a:endParaRPr lang="en-US" altLang="ko-KR" sz="3000" dirty="0">
+              <a:latin typeface="배달의민족 주아" panose="02020603020101020101" pitchFamily="18" charset="-127"/>
+              <a:ea typeface="배달의민족 주아" panose="02020603020101020101" pitchFamily="18" charset="-127"/>
+            </a:endParaRPr>
+          </a:p>
+          <a:p>
+            <a:pPr algn="ctr"/>
+            <a:r>
+              <a:rPr lang="ko-KR" altLang="en-US" sz="3000" dirty="0">
+                <a:latin typeface="배달의민족 주아" panose="02020603020101020101" pitchFamily="18" charset="-127"/>
+                <a:ea typeface="배달의민족 주아" panose="02020603020101020101" pitchFamily="18" charset="-127"/>
+              </a:rPr>
+              <a:t>플레이어</a:t>
+            </a:r>
+            <a:endParaRPr lang="en-US" altLang="ko-KR" sz="3000" dirty="0">
+              <a:latin typeface="배달의민족 주아" panose="02020603020101020101" pitchFamily="18" charset="-127"/>
+              <a:ea typeface="배달의민족 주아" panose="02020603020101020101" pitchFamily="18" charset="-127"/>
+            </a:endParaRPr>
+          </a:p>
+          <a:p>
+            <a:pPr algn="ctr"/>
+            <a:r>
+              <a:rPr lang="ko-KR" altLang="en-US" sz="3000" dirty="0">
+                <a:latin typeface="배달의민족 주아" panose="02020603020101020101" pitchFamily="18" charset="-127"/>
+                <a:ea typeface="배달의민족 주아" panose="02020603020101020101" pitchFamily="18" charset="-127"/>
+              </a:rPr>
+              <a:t>네트워킹</a:t>
+            </a:r>
+            <a:endParaRPr lang="en-US" altLang="ko-KR" sz="3000" dirty="0">
+              <a:latin typeface="배달의민족 주아" panose="02020603020101020101" pitchFamily="18" charset="-127"/>
+              <a:ea typeface="배달의민족 주아" panose="02020603020101020101" pitchFamily="18" charset="-127"/>
+            </a:endParaRPr>
+          </a:p>
+        </p:txBody>
+      </p:sp>
+      <p:sp>
+        <p:nvSpPr>
+          <p:cNvPr id="8" name="TextBox 7">
+            <a:extLst>
+              <a:ext uri="{FF2B5EF4-FFF2-40B4-BE49-F238E27FC236}">
+                <a16:creationId xmlns:a16="http://schemas.microsoft.com/office/drawing/2014/main" id="{809FEA24-F770-4639-BCA5-C038FF4E9F49}"/>
+              </a:ext>
+            </a:extLst>
+          </p:cNvPr>
+          <p:cNvSpPr txBox="1"/>
+          <p:nvPr/>
+        </p:nvSpPr>
+        <p:spPr>
+          <a:xfrm>
+            <a:off x="6757446" y="2459504"/>
+            <a:ext cx="2869330" cy="1938992"/>
+          </a:xfrm>
+          <a:prstGeom prst="rect">
+            <a:avLst/>
+          </a:prstGeom>
+          <a:noFill/>
+        </p:spPr>
+        <p:txBody>
+          <a:bodyPr wrap="square" rtlCol="0">
+            <a:spAutoFit/>
+          </a:bodyPr>
+          <a:lstStyle/>
+          <a:p>
+            <a:pPr algn="ctr"/>
+            <a:r>
+              <a:rPr lang="en-US" altLang="ko-KR" sz="3000" dirty="0">
+                <a:latin typeface="배달의민족 주아" panose="02020603020101020101" pitchFamily="18" charset="-127"/>
+                <a:ea typeface="배달의민족 주아" panose="02020603020101020101" pitchFamily="18" charset="-127"/>
+              </a:rPr>
+              <a:t>[</a:t>
+            </a:r>
+            <a:r>
+              <a:rPr lang="ko-KR" altLang="en-US" sz="3000" dirty="0">
+                <a:latin typeface="배달의민족 주아" panose="02020603020101020101" pitchFamily="18" charset="-127"/>
+                <a:ea typeface="배달의민족 주아" panose="02020603020101020101" pitchFamily="18" charset="-127"/>
+              </a:rPr>
+              <a:t>홍준혁</a:t>
+            </a:r>
+            <a:r>
+              <a:rPr lang="en-US" altLang="ko-KR" sz="3000" dirty="0">
+                <a:latin typeface="배달의민족 주아" panose="02020603020101020101" pitchFamily="18" charset="-127"/>
+                <a:ea typeface="배달의민족 주아" panose="02020603020101020101" pitchFamily="18" charset="-127"/>
+              </a:rPr>
+              <a:t>]</a:t>
+            </a:r>
+          </a:p>
+          <a:p>
+            <a:pPr algn="ctr"/>
+            <a:r>
+              <a:rPr lang="ko-KR" altLang="en-US" sz="3000" dirty="0">
+                <a:latin typeface="배달의민족 주아" panose="02020603020101020101" pitchFamily="18" charset="-127"/>
+                <a:ea typeface="배달의민족 주아" panose="02020603020101020101" pitchFamily="18" charset="-127"/>
+              </a:rPr>
+              <a:t>기능구현</a:t>
+            </a:r>
+            <a:endParaRPr lang="en-US" altLang="ko-KR" sz="3000" dirty="0">
+              <a:latin typeface="배달의민족 주아" panose="02020603020101020101" pitchFamily="18" charset="-127"/>
+              <a:ea typeface="배달의민족 주아" panose="02020603020101020101" pitchFamily="18" charset="-127"/>
+            </a:endParaRPr>
+          </a:p>
+          <a:p>
+            <a:pPr algn="ctr"/>
+            <a:r>
+              <a:rPr lang="ko-KR" altLang="en-US" sz="3000" dirty="0">
+                <a:latin typeface="배달의민족 주아" panose="02020603020101020101" pitchFamily="18" charset="-127"/>
+                <a:ea typeface="배달의민족 주아" panose="02020603020101020101" pitchFamily="18" charset="-127"/>
+              </a:rPr>
+              <a:t>디테일</a:t>
+            </a:r>
+            <a:endParaRPr lang="en-US" altLang="ko-KR" sz="3000" dirty="0">
+              <a:latin typeface="배달의민족 주아" panose="02020603020101020101" pitchFamily="18" charset="-127"/>
+              <a:ea typeface="배달의민족 주아" panose="02020603020101020101" pitchFamily="18" charset="-127"/>
+            </a:endParaRPr>
+          </a:p>
+          <a:p>
+            <a:pPr algn="ctr"/>
+            <a:r>
+              <a:rPr lang="ko-KR" altLang="en-US" sz="3000" dirty="0" err="1">
+                <a:latin typeface="배달의민족 주아" panose="02020603020101020101" pitchFamily="18" charset="-127"/>
+                <a:ea typeface="배달의민족 주아" panose="02020603020101020101" pitchFamily="18" charset="-127"/>
+              </a:rPr>
+              <a:t>폴리싱</a:t>
+            </a:r>
+            <a:endParaRPr lang="en-US" altLang="ko-KR" sz="3000" dirty="0">
+              <a:latin typeface="배달의민족 주아" panose="02020603020101020101" pitchFamily="18" charset="-127"/>
+              <a:ea typeface="배달의민족 주아" panose="02020603020101020101" pitchFamily="18" charset="-127"/>
+            </a:endParaRPr>
+          </a:p>
+        </p:txBody>
+      </p:sp>
+    </p:spTree>
+    <p:extLst>
+      <p:ext uri="{BB962C8B-B14F-4D97-AF65-F5344CB8AC3E}">
+        <p14:creationId xmlns:p14="http://schemas.microsoft.com/office/powerpoint/2010/main" val="1827511883"/>
       </p:ext>
     </p:extLst>
   </p:cSld>
